--- a/TaskManagementSystem/docs/TaskManagementSystem.pptx
+++ b/TaskManagementSystem/docs/TaskManagementSystem.pptx
@@ -118,6 +118,11 @@
       </a:defRPr>
     </a:lvl9pPr>
   </p:defaultTextStyle>
+  <p:extLst>
+    <p:ext uri="{EFAFB233-063F-42B5-8137-9DF3F51BA10A}">
+      <p15:sldGuideLst xmlns:p15="http://schemas.microsoft.com/office/powerpoint/2012/main"/>
+    </p:ext>
+  </p:extLst>
 </p:presentation>
 </file>
 
@@ -203,7 +208,7 @@
           <a:p>
             <a:fld id="{96268252-E662-3D4C-BCA8-09CCDBBB5342}" type="datetimeFigureOut">
               <a:rPr lang="en-US" smtClean="0"/>
-              <a:t>8/7/20</a:t>
+              <a:t>8/25/20</a:t>
             </a:fld>
             <a:endParaRPr lang="en-US"/>
           </a:p>
@@ -1059,7 +1064,7 @@
           <a:p>
             <a:fld id="{934E545B-BB49-924B-9372-C6A900C7FB2E}" type="datetimeFigureOut">
               <a:rPr lang="en-US" smtClean="0"/>
-              <a:t>8/7/20</a:t>
+              <a:t>8/25/20</a:t>
             </a:fld>
             <a:endParaRPr lang="en-US"/>
           </a:p>
@@ -1257,7 +1262,7 @@
           <a:p>
             <a:fld id="{934E545B-BB49-924B-9372-C6A900C7FB2E}" type="datetimeFigureOut">
               <a:rPr lang="en-US" smtClean="0"/>
-              <a:t>8/7/20</a:t>
+              <a:t>8/25/20</a:t>
             </a:fld>
             <a:endParaRPr lang="en-US"/>
           </a:p>
@@ -1465,7 +1470,7 @@
           <a:p>
             <a:fld id="{934E545B-BB49-924B-9372-C6A900C7FB2E}" type="datetimeFigureOut">
               <a:rPr lang="en-US" smtClean="0"/>
-              <a:t>8/7/20</a:t>
+              <a:t>8/25/20</a:t>
             </a:fld>
             <a:endParaRPr lang="en-US"/>
           </a:p>
@@ -1663,7 +1668,7 @@
           <a:p>
             <a:fld id="{934E545B-BB49-924B-9372-C6A900C7FB2E}" type="datetimeFigureOut">
               <a:rPr lang="en-US" smtClean="0"/>
-              <a:t>8/7/20</a:t>
+              <a:t>8/25/20</a:t>
             </a:fld>
             <a:endParaRPr lang="en-US"/>
           </a:p>
@@ -1938,7 +1943,7 @@
           <a:p>
             <a:fld id="{934E545B-BB49-924B-9372-C6A900C7FB2E}" type="datetimeFigureOut">
               <a:rPr lang="en-US" smtClean="0"/>
-              <a:t>8/7/20</a:t>
+              <a:t>8/25/20</a:t>
             </a:fld>
             <a:endParaRPr lang="en-US"/>
           </a:p>
@@ -2203,7 +2208,7 @@
           <a:p>
             <a:fld id="{934E545B-BB49-924B-9372-C6A900C7FB2E}" type="datetimeFigureOut">
               <a:rPr lang="en-US" smtClean="0"/>
-              <a:t>8/7/20</a:t>
+              <a:t>8/25/20</a:t>
             </a:fld>
             <a:endParaRPr lang="en-US"/>
           </a:p>
@@ -2615,7 +2620,7 @@
           <a:p>
             <a:fld id="{934E545B-BB49-924B-9372-C6A900C7FB2E}" type="datetimeFigureOut">
               <a:rPr lang="en-US" smtClean="0"/>
-              <a:t>8/7/20</a:t>
+              <a:t>8/25/20</a:t>
             </a:fld>
             <a:endParaRPr lang="en-US"/>
           </a:p>
@@ -2756,7 +2761,7 @@
           <a:p>
             <a:fld id="{934E545B-BB49-924B-9372-C6A900C7FB2E}" type="datetimeFigureOut">
               <a:rPr lang="en-US" smtClean="0"/>
-              <a:t>8/7/20</a:t>
+              <a:t>8/25/20</a:t>
             </a:fld>
             <a:endParaRPr lang="en-US"/>
           </a:p>
@@ -2869,7 +2874,7 @@
           <a:p>
             <a:fld id="{934E545B-BB49-924B-9372-C6A900C7FB2E}" type="datetimeFigureOut">
               <a:rPr lang="en-US" smtClean="0"/>
-              <a:t>8/7/20</a:t>
+              <a:t>8/25/20</a:t>
             </a:fld>
             <a:endParaRPr lang="en-US"/>
           </a:p>
@@ -3180,7 +3185,7 @@
           <a:p>
             <a:fld id="{934E545B-BB49-924B-9372-C6A900C7FB2E}" type="datetimeFigureOut">
               <a:rPr lang="en-US" smtClean="0"/>
-              <a:t>8/7/20</a:t>
+              <a:t>8/25/20</a:t>
             </a:fld>
             <a:endParaRPr lang="en-US"/>
           </a:p>
@@ -3468,7 +3473,7 @@
           <a:p>
             <a:fld id="{934E545B-BB49-924B-9372-C6A900C7FB2E}" type="datetimeFigureOut">
               <a:rPr lang="en-US" smtClean="0"/>
-              <a:t>8/7/20</a:t>
+              <a:t>8/25/20</a:t>
             </a:fld>
             <a:endParaRPr lang="en-US"/>
           </a:p>
@@ -3709,7 +3714,7 @@
           <a:p>
             <a:fld id="{934E545B-BB49-924B-9372-C6A900C7FB2E}" type="datetimeFigureOut">
               <a:rPr lang="en-US" smtClean="0"/>
-              <a:t>8/7/20</a:t>
+              <a:t>8/25/20</a:t>
             </a:fld>
             <a:endParaRPr lang="en-US"/>
           </a:p>
